--- a/presentations/Week2-1f Regulaziation.pptx
+++ b/presentations/Week2-1f Regulaziation.pptx
@@ -3773,6 +3773,146 @@
           </a:extLst>
         </p:spPr>
       </p:pic>
+      <p:sp>
+        <p:nvSpPr>
+          <p:cNvPr id="3" name="TextBox 2"/>
+          <p:cNvSpPr txBox="1"/>
+          <p:nvPr/>
+        </p:nvSpPr>
+        <p:spPr>
+          <a:xfrm>
+            <a:off x="6084168" y="4551511"/>
+            <a:ext cx="2198807" cy="461665"/>
+          </a:xfrm>
+          <a:prstGeom prst="rect">
+            <a:avLst/>
+          </a:prstGeom>
+          <a:noFill/>
+          <a:ln>
+            <a:solidFill>
+              <a:schemeClr val="tx1"/>
+            </a:solidFill>
+          </a:ln>
+        </p:spPr>
+        <p:txBody>
+          <a:bodyPr wrap="none" rtlCol="0">
+            <a:spAutoFit/>
+          </a:bodyPr>
+          <a:lstStyle/>
+          <a:p>
+            <a:r>
+              <a:rPr kumimoji="1" lang="en-US" altLang="ko-KR" sz="2400" b="1" smtClean="0"/>
+              <a:t>Training error</a:t>
+            </a:r>
+            <a:endParaRPr kumimoji="1" lang="ko-KR" altLang="en-US" sz="2400" b="1" dirty="0" smtClean="0"/>
+          </a:p>
+        </p:txBody>
+      </p:sp>
+      <p:sp>
+        <p:nvSpPr>
+          <p:cNvPr id="5" name="TextBox 4"/>
+          <p:cNvSpPr txBox="1"/>
+          <p:nvPr/>
+        </p:nvSpPr>
+        <p:spPr>
+          <a:xfrm>
+            <a:off x="6709978" y="2708920"/>
+            <a:ext cx="1599220" cy="461665"/>
+          </a:xfrm>
+          <a:prstGeom prst="rect">
+            <a:avLst/>
+          </a:prstGeom>
+          <a:noFill/>
+          <a:ln>
+            <a:solidFill>
+              <a:schemeClr val="tx1"/>
+            </a:solidFill>
+          </a:ln>
+        </p:spPr>
+        <p:txBody>
+          <a:bodyPr wrap="none" rtlCol="0">
+            <a:spAutoFit/>
+          </a:bodyPr>
+          <a:lstStyle/>
+          <a:p>
+            <a:r>
+              <a:rPr kumimoji="1" lang="en-US" altLang="ko-KR" sz="2400" b="1" dirty="0" smtClean="0"/>
+              <a:t>Test error</a:t>
+            </a:r>
+            <a:endParaRPr kumimoji="1" lang="ko-KR" altLang="en-US" sz="2400" b="1" dirty="0" smtClean="0"/>
+          </a:p>
+        </p:txBody>
+      </p:sp>
+      <p:sp>
+        <p:nvSpPr>
+          <p:cNvPr id="6" name="TextBox 5"/>
+          <p:cNvSpPr txBox="1"/>
+          <p:nvPr/>
+        </p:nvSpPr>
+        <p:spPr>
+          <a:xfrm>
+            <a:off x="3965031" y="3520303"/>
+            <a:ext cx="4279377" cy="461665"/>
+          </a:xfrm>
+          <a:prstGeom prst="rect">
+            <a:avLst/>
+          </a:prstGeom>
+          <a:noFill/>
+          <a:ln>
+            <a:solidFill>
+              <a:schemeClr val="tx1"/>
+            </a:solidFill>
+          </a:ln>
+        </p:spPr>
+        <p:txBody>
+          <a:bodyPr wrap="none" rtlCol="0">
+            <a:spAutoFit/>
+          </a:bodyPr>
+          <a:lstStyle/>
+          <a:p>
+            <a:r>
+              <a:rPr kumimoji="1" lang="en-US" altLang="ko-KR" sz="2400" b="1" smtClean="0"/>
+              <a:t>Generalization performance</a:t>
+            </a:r>
+            <a:endParaRPr kumimoji="1" lang="ko-KR" altLang="en-US" sz="2400" b="1" dirty="0" smtClean="0"/>
+          </a:p>
+        </p:txBody>
+      </p:sp>
+      <p:sp>
+        <p:nvSpPr>
+          <p:cNvPr id="7" name="TextBox 6"/>
+          <p:cNvSpPr txBox="1"/>
+          <p:nvPr/>
+        </p:nvSpPr>
+        <p:spPr>
+          <a:xfrm>
+            <a:off x="3783190" y="6125365"/>
+            <a:ext cx="4374083" cy="461665"/>
+          </a:xfrm>
+          <a:prstGeom prst="rect">
+            <a:avLst/>
+          </a:prstGeom>
+          <a:noFill/>
+          <a:ln>
+            <a:solidFill>
+              <a:schemeClr val="tx1"/>
+            </a:solidFill>
+          </a:ln>
+        </p:spPr>
+        <p:txBody>
+          <a:bodyPr wrap="none" rtlCol="0">
+            <a:spAutoFit/>
+          </a:bodyPr>
+          <a:lstStyle/>
+          <a:p>
+            <a:r>
+              <a:rPr kumimoji="1" lang="en-US" altLang="ko-KR" sz="2400" b="1" dirty="0" smtClean="0"/>
+              <a:t>Complexity of the algorithm</a:t>
+            </a:r>
+            <a:endParaRPr kumimoji="1" lang="ko-KR" altLang="en-US" sz="2400" b="1" dirty="0" smtClean="0"/>
+          </a:p>
+        </p:txBody>
+      </p:sp>
     </p:spTree>
     <p:extLst>
       <p:ext uri="{BB962C8B-B14F-4D97-AF65-F5344CB8AC3E}">
@@ -3786,9 +3926,303 @@
   <p:timing>
     <p:tnLst>
       <p:par>
-        <p:cTn id="1" dur="indefinite" restart="never" nodeType="tmRoot"/>
+        <p:cTn id="1" dur="indefinite" restart="never" nodeType="tmRoot">
+          <p:childTnLst>
+            <p:seq concurrent="1" nextAc="seek">
+              <p:cTn id="2" dur="indefinite" nodeType="mainSeq">
+                <p:childTnLst>
+                  <p:par>
+                    <p:cTn id="3" fill="hold">
+                      <p:stCondLst>
+                        <p:cond delay="indefinite"/>
+                      </p:stCondLst>
+                      <p:childTnLst>
+                        <p:par>
+                          <p:cTn id="4" fill="hold">
+                            <p:stCondLst>
+                              <p:cond delay="0"/>
+                            </p:stCondLst>
+                            <p:childTnLst>
+                              <p:par>
+                                <p:cTn id="5" presetID="5" presetClass="entr" presetSubtype="10" fill="hold" nodeType="clickEffect">
+                                  <p:stCondLst>
+                                    <p:cond delay="0"/>
+                                  </p:stCondLst>
+                                  <p:childTnLst>
+                                    <p:set>
+                                      <p:cBhvr>
+                                        <p:cTn id="6" dur="1" fill="hold">
+                                          <p:stCondLst>
+                                            <p:cond delay="0"/>
+                                          </p:stCondLst>
+                                        </p:cTn>
+                                        <p:tgtEl>
+                                          <p:spTgt spid="4098"/>
+                                        </p:tgtEl>
+                                        <p:attrNameLst>
+                                          <p:attrName>style.visibility</p:attrName>
+                                        </p:attrNameLst>
+                                      </p:cBhvr>
+                                      <p:to>
+                                        <p:strVal val="visible"/>
+                                      </p:to>
+                                    </p:set>
+                                    <p:animEffect transition="in" filter="checkerboard(across)">
+                                      <p:cBhvr>
+                                        <p:cTn id="7" dur="500"/>
+                                        <p:tgtEl>
+                                          <p:spTgt spid="4098"/>
+                                        </p:tgtEl>
+                                      </p:cBhvr>
+                                    </p:animEffect>
+                                  </p:childTnLst>
+                                </p:cTn>
+                              </p:par>
+                            </p:childTnLst>
+                          </p:cTn>
+                        </p:par>
+                      </p:childTnLst>
+                    </p:cTn>
+                  </p:par>
+                  <p:par>
+                    <p:cTn id="8" fill="hold">
+                      <p:stCondLst>
+                        <p:cond delay="indefinite"/>
+                      </p:stCondLst>
+                      <p:childTnLst>
+                        <p:par>
+                          <p:cTn id="9" fill="hold">
+                            <p:stCondLst>
+                              <p:cond delay="0"/>
+                            </p:stCondLst>
+                            <p:childTnLst>
+                              <p:par>
+                                <p:cTn id="10" presetID="5" presetClass="entr" presetSubtype="10" fill="hold" grpId="0" nodeType="clickEffect">
+                                  <p:stCondLst>
+                                    <p:cond delay="0"/>
+                                  </p:stCondLst>
+                                  <p:childTnLst>
+                                    <p:set>
+                                      <p:cBhvr>
+                                        <p:cTn id="11" dur="1" fill="hold">
+                                          <p:stCondLst>
+                                            <p:cond delay="0"/>
+                                          </p:stCondLst>
+                                        </p:cTn>
+                                        <p:tgtEl>
+                                          <p:spTgt spid="7"/>
+                                        </p:tgtEl>
+                                        <p:attrNameLst>
+                                          <p:attrName>style.visibility</p:attrName>
+                                        </p:attrNameLst>
+                                      </p:cBhvr>
+                                      <p:to>
+                                        <p:strVal val="visible"/>
+                                      </p:to>
+                                    </p:set>
+                                    <p:animEffect transition="in" filter="checkerboard(across)">
+                                      <p:cBhvr>
+                                        <p:cTn id="12" dur="500"/>
+                                        <p:tgtEl>
+                                          <p:spTgt spid="7"/>
+                                        </p:tgtEl>
+                                      </p:cBhvr>
+                                    </p:animEffect>
+                                  </p:childTnLst>
+                                </p:cTn>
+                              </p:par>
+                            </p:childTnLst>
+                          </p:cTn>
+                        </p:par>
+                      </p:childTnLst>
+                    </p:cTn>
+                  </p:par>
+                  <p:par>
+                    <p:cTn id="13" fill="hold">
+                      <p:stCondLst>
+                        <p:cond delay="indefinite"/>
+                      </p:stCondLst>
+                      <p:childTnLst>
+                        <p:par>
+                          <p:cTn id="14" fill="hold">
+                            <p:stCondLst>
+                              <p:cond delay="0"/>
+                            </p:stCondLst>
+                            <p:childTnLst>
+                              <p:par>
+                                <p:cTn id="15" presetID="5" presetClass="entr" presetSubtype="10" fill="hold" grpId="0" nodeType="clickEffect">
+                                  <p:stCondLst>
+                                    <p:cond delay="0"/>
+                                  </p:stCondLst>
+                                  <p:childTnLst>
+                                    <p:set>
+                                      <p:cBhvr>
+                                        <p:cTn id="16" dur="1" fill="hold">
+                                          <p:stCondLst>
+                                            <p:cond delay="0"/>
+                                          </p:stCondLst>
+                                        </p:cTn>
+                                        <p:tgtEl>
+                                          <p:spTgt spid="3"/>
+                                        </p:tgtEl>
+                                        <p:attrNameLst>
+                                          <p:attrName>style.visibility</p:attrName>
+                                        </p:attrNameLst>
+                                      </p:cBhvr>
+                                      <p:to>
+                                        <p:strVal val="visible"/>
+                                      </p:to>
+                                    </p:set>
+                                    <p:animEffect transition="in" filter="checkerboard(across)">
+                                      <p:cBhvr>
+                                        <p:cTn id="17" dur="500"/>
+                                        <p:tgtEl>
+                                          <p:spTgt spid="3"/>
+                                        </p:tgtEl>
+                                      </p:cBhvr>
+                                    </p:animEffect>
+                                  </p:childTnLst>
+                                </p:cTn>
+                              </p:par>
+                            </p:childTnLst>
+                          </p:cTn>
+                        </p:par>
+                      </p:childTnLst>
+                    </p:cTn>
+                  </p:par>
+                  <p:par>
+                    <p:cTn id="18" fill="hold">
+                      <p:stCondLst>
+                        <p:cond delay="indefinite"/>
+                      </p:stCondLst>
+                      <p:childTnLst>
+                        <p:par>
+                          <p:cTn id="19" fill="hold">
+                            <p:stCondLst>
+                              <p:cond delay="0"/>
+                            </p:stCondLst>
+                            <p:childTnLst>
+                              <p:par>
+                                <p:cTn id="20" presetID="5" presetClass="entr" presetSubtype="10" fill="hold" grpId="0" nodeType="clickEffect">
+                                  <p:stCondLst>
+                                    <p:cond delay="0"/>
+                                  </p:stCondLst>
+                                  <p:childTnLst>
+                                    <p:set>
+                                      <p:cBhvr>
+                                        <p:cTn id="21" dur="1" fill="hold">
+                                          <p:stCondLst>
+                                            <p:cond delay="0"/>
+                                          </p:stCondLst>
+                                        </p:cTn>
+                                        <p:tgtEl>
+                                          <p:spTgt spid="5"/>
+                                        </p:tgtEl>
+                                        <p:attrNameLst>
+                                          <p:attrName>style.visibility</p:attrName>
+                                        </p:attrNameLst>
+                                      </p:cBhvr>
+                                      <p:to>
+                                        <p:strVal val="visible"/>
+                                      </p:to>
+                                    </p:set>
+                                    <p:animEffect transition="in" filter="checkerboard(across)">
+                                      <p:cBhvr>
+                                        <p:cTn id="22" dur="500"/>
+                                        <p:tgtEl>
+                                          <p:spTgt spid="5"/>
+                                        </p:tgtEl>
+                                      </p:cBhvr>
+                                    </p:animEffect>
+                                  </p:childTnLst>
+                                </p:cTn>
+                              </p:par>
+                            </p:childTnLst>
+                          </p:cTn>
+                        </p:par>
+                      </p:childTnLst>
+                    </p:cTn>
+                  </p:par>
+                  <p:par>
+                    <p:cTn id="23" fill="hold">
+                      <p:stCondLst>
+                        <p:cond delay="indefinite"/>
+                      </p:stCondLst>
+                      <p:childTnLst>
+                        <p:par>
+                          <p:cTn id="24" fill="hold">
+                            <p:stCondLst>
+                              <p:cond delay="0"/>
+                            </p:stCondLst>
+                            <p:childTnLst>
+                              <p:par>
+                                <p:cTn id="25" presetID="5" presetClass="entr" presetSubtype="10" fill="hold" grpId="0" nodeType="clickEffect">
+                                  <p:stCondLst>
+                                    <p:cond delay="0"/>
+                                  </p:stCondLst>
+                                  <p:childTnLst>
+                                    <p:set>
+                                      <p:cBhvr>
+                                        <p:cTn id="26" dur="1" fill="hold">
+                                          <p:stCondLst>
+                                            <p:cond delay="0"/>
+                                          </p:stCondLst>
+                                        </p:cTn>
+                                        <p:tgtEl>
+                                          <p:spTgt spid="6"/>
+                                        </p:tgtEl>
+                                        <p:attrNameLst>
+                                          <p:attrName>style.visibility</p:attrName>
+                                        </p:attrNameLst>
+                                      </p:cBhvr>
+                                      <p:to>
+                                        <p:strVal val="visible"/>
+                                      </p:to>
+                                    </p:set>
+                                    <p:animEffect transition="in" filter="checkerboard(across)">
+                                      <p:cBhvr>
+                                        <p:cTn id="27" dur="500"/>
+                                        <p:tgtEl>
+                                          <p:spTgt spid="6"/>
+                                        </p:tgtEl>
+                                      </p:cBhvr>
+                                    </p:animEffect>
+                                  </p:childTnLst>
+                                </p:cTn>
+                              </p:par>
+                            </p:childTnLst>
+                          </p:cTn>
+                        </p:par>
+                      </p:childTnLst>
+                    </p:cTn>
+                  </p:par>
+                </p:childTnLst>
+              </p:cTn>
+              <p:prevCondLst>
+                <p:cond evt="onPrev" delay="0">
+                  <p:tgtEl>
+                    <p:sldTgt/>
+                  </p:tgtEl>
+                </p:cond>
+              </p:prevCondLst>
+              <p:nextCondLst>
+                <p:cond evt="onNext" delay="0">
+                  <p:tgtEl>
+                    <p:sldTgt/>
+                  </p:tgtEl>
+                </p:cond>
+              </p:nextCondLst>
+            </p:seq>
+          </p:childTnLst>
+        </p:cTn>
       </p:par>
     </p:tnLst>
+    <p:bldLst>
+      <p:bldP spid="3" grpId="0" animBg="1"/>
+      <p:bldP spid="5" grpId="0" animBg="1"/>
+      <p:bldP spid="6" grpId="0" animBg="1"/>
+      <p:bldP spid="7" grpId="0" animBg="1"/>
+    </p:bldLst>
   </p:timing>
 </p:sld>
 </file>
@@ -3874,6 +4308,41 @@
           </a:p>
         </p:txBody>
       </p:sp>
+      <p:sp>
+        <p:nvSpPr>
+          <p:cNvPr id="4" name="TextBox 3"/>
+          <p:cNvSpPr txBox="1"/>
+          <p:nvPr/>
+        </p:nvSpPr>
+        <p:spPr>
+          <a:xfrm>
+            <a:off x="4582800" y="3759423"/>
+            <a:ext cx="1888787" cy="461665"/>
+          </a:xfrm>
+          <a:prstGeom prst="rect">
+            <a:avLst/>
+          </a:prstGeom>
+          <a:noFill/>
+          <a:ln>
+            <a:solidFill>
+              <a:schemeClr val="tx1"/>
+            </a:solidFill>
+          </a:ln>
+        </p:spPr>
+        <p:txBody>
+          <a:bodyPr wrap="none" rtlCol="0">
+            <a:spAutoFit/>
+          </a:bodyPr>
+          <a:lstStyle/>
+          <a:p>
+            <a:r>
+              <a:rPr kumimoji="1" lang="en-US" altLang="ko-KR" sz="2400" b="1" smtClean="0"/>
+              <a:t>Over fitting</a:t>
+            </a:r>
+            <a:endParaRPr kumimoji="1" lang="ko-KR" altLang="en-US" sz="2400" b="1" dirty="0" smtClean="0"/>
+          </a:p>
+        </p:txBody>
+      </p:sp>
     </p:spTree>
     <p:extLst>
       <p:ext uri="{BB962C8B-B14F-4D97-AF65-F5344CB8AC3E}">
@@ -3887,9 +4356,141 @@
   <p:timing>
     <p:tnLst>
       <p:par>
-        <p:cTn id="1" dur="indefinite" restart="never" nodeType="tmRoot"/>
+        <p:cTn id="1" dur="indefinite" restart="never" nodeType="tmRoot">
+          <p:childTnLst>
+            <p:seq concurrent="1" nextAc="seek">
+              <p:cTn id="2" dur="indefinite" nodeType="mainSeq">
+                <p:childTnLst>
+                  <p:par>
+                    <p:cTn id="3" fill="hold">
+                      <p:stCondLst>
+                        <p:cond delay="indefinite"/>
+                      </p:stCondLst>
+                      <p:childTnLst>
+                        <p:par>
+                          <p:cTn id="4" fill="hold">
+                            <p:stCondLst>
+                              <p:cond delay="0"/>
+                            </p:stCondLst>
+                            <p:childTnLst>
+                              <p:par>
+                                <p:cTn id="5" presetID="5" presetClass="entr" presetSubtype="10" fill="hold" nodeType="clickEffect">
+                                  <p:stCondLst>
+                                    <p:cond delay="0"/>
+                                  </p:stCondLst>
+                                  <p:childTnLst>
+                                    <p:set>
+                                      <p:cBhvr>
+                                        <p:cTn id="6" dur="1" fill="hold">
+                                          <p:stCondLst>
+                                            <p:cond delay="0"/>
+                                          </p:stCondLst>
+                                        </p:cTn>
+                                        <p:tgtEl>
+                                          <p:spTgt spid="5122"/>
+                                        </p:tgtEl>
+                                        <p:attrNameLst>
+                                          <p:attrName>style.visibility</p:attrName>
+                                        </p:attrNameLst>
+                                      </p:cBhvr>
+                                      <p:to>
+                                        <p:strVal val="visible"/>
+                                      </p:to>
+                                    </p:set>
+                                    <p:animEffect transition="in" filter="checkerboard(across)">
+                                      <p:cBhvr>
+                                        <p:cTn id="7" dur="500"/>
+                                        <p:tgtEl>
+                                          <p:spTgt spid="5122"/>
+                                        </p:tgtEl>
+                                      </p:cBhvr>
+                                    </p:animEffect>
+                                  </p:childTnLst>
+                                </p:cTn>
+                              </p:par>
+                            </p:childTnLst>
+                          </p:cTn>
+                        </p:par>
+                      </p:childTnLst>
+                    </p:cTn>
+                  </p:par>
+                  <p:par>
+                    <p:cTn id="8" fill="hold">
+                      <p:stCondLst>
+                        <p:cond delay="indefinite"/>
+                      </p:stCondLst>
+                      <p:childTnLst>
+                        <p:par>
+                          <p:cTn id="9" fill="hold">
+                            <p:stCondLst>
+                              <p:cond delay="0"/>
+                            </p:stCondLst>
+                            <p:childTnLst>
+                              <p:par>
+                                <p:cTn id="10" presetID="5" presetClass="entr" presetSubtype="10" fill="hold" grpId="0" nodeType="clickEffect">
+                                  <p:stCondLst>
+                                    <p:cond delay="0"/>
+                                  </p:stCondLst>
+                                  <p:childTnLst>
+                                    <p:set>
+                                      <p:cBhvr>
+                                        <p:cTn id="11" dur="1" fill="hold">
+                                          <p:stCondLst>
+                                            <p:cond delay="0"/>
+                                          </p:stCondLst>
+                                        </p:cTn>
+                                        <p:tgtEl>
+                                          <p:spTgt spid="4"/>
+                                        </p:tgtEl>
+                                        <p:attrNameLst>
+                                          <p:attrName>style.visibility</p:attrName>
+                                        </p:attrNameLst>
+                                      </p:cBhvr>
+                                      <p:to>
+                                        <p:strVal val="visible"/>
+                                      </p:to>
+                                    </p:set>
+                                    <p:animEffect transition="in" filter="checkerboard(across)">
+                                      <p:cBhvr>
+                                        <p:cTn id="12" dur="500"/>
+                                        <p:tgtEl>
+                                          <p:spTgt spid="4"/>
+                                        </p:tgtEl>
+                                      </p:cBhvr>
+                                    </p:animEffect>
+                                  </p:childTnLst>
+                                </p:cTn>
+                              </p:par>
+                            </p:childTnLst>
+                          </p:cTn>
+                        </p:par>
+                      </p:childTnLst>
+                    </p:cTn>
+                  </p:par>
+                </p:childTnLst>
+              </p:cTn>
+              <p:prevCondLst>
+                <p:cond evt="onPrev" delay="0">
+                  <p:tgtEl>
+                    <p:sldTgt/>
+                  </p:tgtEl>
+                </p:cond>
+              </p:prevCondLst>
+              <p:nextCondLst>
+                <p:cond evt="onNext" delay="0">
+                  <p:tgtEl>
+                    <p:sldTgt/>
+                  </p:tgtEl>
+                </p:cond>
+              </p:nextCondLst>
+            </p:seq>
+          </p:childTnLst>
+        </p:cTn>
       </p:par>
     </p:tnLst>
+    <p:bldLst>
+      <p:bldP spid="4" grpId="0" animBg="1"/>
+    </p:bldLst>
   </p:timing>
 </p:sld>
 </file>
@@ -3934,7 +4535,7 @@
         </p:blipFill>
         <p:spPr bwMode="auto">
           <a:xfrm>
-            <a:off x="4572000" y="5042226"/>
+            <a:off x="4572000" y="4787602"/>
             <a:ext cx="3333750" cy="1809750"/>
           </a:xfrm>
           <a:prstGeom prst="rect">
@@ -3996,7 +4597,7 @@
         </p:nvSpPr>
         <p:spPr>
           <a:xfrm>
-            <a:off x="179512" y="1412776"/>
+            <a:off x="179512" y="1158152"/>
             <a:ext cx="4104200" cy="461665"/>
           </a:xfrm>
           <a:prstGeom prst="rect">
@@ -4078,7 +4679,7 @@
         </p:blipFill>
         <p:spPr bwMode="auto">
           <a:xfrm>
-            <a:off x="395536" y="1905439"/>
+            <a:off x="395536" y="1650815"/>
             <a:ext cx="2439742" cy="2262385"/>
           </a:xfrm>
           <a:prstGeom prst="rect">
@@ -4104,7 +4705,7 @@
         </p:nvSpPr>
         <p:spPr>
           <a:xfrm>
-            <a:off x="4499992" y="1412776"/>
+            <a:off x="4499992" y="1158152"/>
             <a:ext cx="4248472" cy="830997"/>
           </a:xfrm>
           <a:prstGeom prst="rect">
@@ -4159,7 +4760,7 @@
         </p:nvSpPr>
         <p:spPr>
           <a:xfrm>
-            <a:off x="179512" y="4221608"/>
+            <a:off x="179512" y="3966984"/>
             <a:ext cx="4104200" cy="830997"/>
           </a:xfrm>
           <a:prstGeom prst="rect">
@@ -4210,7 +4811,13 @@
               <a:rPr lang="en-US" altLang="ko-KR" sz="2400" dirty="0" smtClean="0">
                 <a:latin typeface="+mn-ea"/>
               </a:rPr>
-              <a:t>many different models (Bagging)</a:t>
+              <a:t>many different models </a:t>
+            </a:r>
+            <a:r>
+              <a:rPr lang="en-US" altLang="ko-KR" sz="2400" dirty="0" smtClean="0">
+                <a:latin typeface="+mn-ea"/>
+              </a:rPr>
+              <a:t>(Ensemble)</a:t>
             </a:r>
             <a:endParaRPr lang="ko-KR" altLang="en-US" sz="2400" dirty="0" smtClean="0">
               <a:latin typeface="+mn-ea"/>
@@ -4241,7 +4848,7 @@
         </p:blipFill>
         <p:spPr bwMode="auto">
           <a:xfrm>
-            <a:off x="4572000" y="2243773"/>
+            <a:off x="4572000" y="1989149"/>
             <a:ext cx="3333750" cy="1924051"/>
           </a:xfrm>
           <a:prstGeom prst="rect">
@@ -4282,7 +4889,7 @@
         </p:blipFill>
         <p:spPr bwMode="auto">
           <a:xfrm>
-            <a:off x="298853" y="4988001"/>
+            <a:off x="298853" y="4733377"/>
             <a:ext cx="2633107" cy="1846709"/>
           </a:xfrm>
           <a:prstGeom prst="rect">
@@ -4321,7 +4928,7 @@
         </p:nvSpPr>
         <p:spPr>
           <a:xfrm>
-            <a:off x="4499992" y="4216858"/>
+            <a:off x="4499992" y="3962234"/>
             <a:ext cx="4248472" cy="830997"/>
           </a:xfrm>
           <a:prstGeom prst="rect">
@@ -4357,7 +4964,19 @@
               <a:rPr lang="en-US" altLang="ko-KR" sz="2400" dirty="0" smtClean="0">
                 <a:latin typeface="+mn-ea"/>
               </a:rPr>
-              <a:t>: Use DropOut or DropConnect</a:t>
+              <a:t>: Use </a:t>
+            </a:r>
+            <a:r>
+              <a:rPr lang="en-US" altLang="ko-KR" sz="2400" dirty="0" smtClean="0">
+                <a:latin typeface="+mn-ea"/>
+              </a:rPr>
+              <a:t>DropOut, DropConnect, or </a:t>
+            </a:r>
+            <a:r>
+              <a:rPr lang="en-US" altLang="ko-KR" sz="2400" dirty="0" err="1" smtClean="0">
+                <a:latin typeface="+mn-ea"/>
+              </a:rPr>
+              <a:t>BatchNorm</a:t>
             </a:r>
             <a:endParaRPr lang="ko-KR" altLang="en-US" sz="2400" b="1" dirty="0" smtClean="0">
               <a:solidFill>
@@ -4809,7 +5428,7 @@
         </p:blipFill>
         <p:spPr bwMode="auto">
           <a:xfrm>
-            <a:off x="1301816" y="908720"/>
+            <a:off x="1301816" y="836712"/>
             <a:ext cx="6707981" cy="3182565"/>
           </a:xfrm>
           <a:prstGeom prst="rect">
@@ -5010,7 +5629,7 @@
                             </p:stCondLst>
                             <p:childTnLst>
                               <p:par>
-                                <p:cTn id="5" presetID="10" presetClass="entr" presetSubtype="0" fill="hold" grpId="0" nodeType="clickEffect">
+                                <p:cTn id="5" presetID="5" presetClass="entr" presetSubtype="10" fill="hold" nodeType="clickEffect">
                                   <p:stCondLst>
                                     <p:cond delay="0"/>
                                   </p:stCondLst>
@@ -5023,7 +5642,7 @@
                                           </p:stCondLst>
                                         </p:cTn>
                                         <p:tgtEl>
-                                          <p:spTgt spid="4"/>
+                                          <p:spTgt spid="2050"/>
                                         </p:tgtEl>
                                         <p:attrNameLst>
                                           <p:attrName>style.visibility</p:attrName>
@@ -5033,11 +5652,11 @@
                                         <p:strVal val="visible"/>
                                       </p:to>
                                     </p:set>
-                                    <p:animEffect transition="in" filter="fade">
+                                    <p:animEffect transition="in" filter="checkerboard(across)">
                                       <p:cBhvr>
                                         <p:cTn id="7" dur="500"/>
                                         <p:tgtEl>
-                                          <p:spTgt spid="4"/>
+                                          <p:spTgt spid="2050"/>
                                         </p:tgtEl>
                                       </p:cBhvr>
                                     </p:animEffect>
@@ -5076,7 +5695,7 @@
                                           </p:stCondLst>
                                         </p:cTn>
                                         <p:tgtEl>
-                                          <p:spTgt spid="5"/>
+                                          <p:spTgt spid="4"/>
                                         </p:tgtEl>
                                         <p:attrNameLst>
                                           <p:attrName>style.visibility</p:attrName>
@@ -5090,7 +5709,7 @@
                                       <p:cBhvr>
                                         <p:cTn id="12" dur="500"/>
                                         <p:tgtEl>
-                                          <p:spTgt spid="5"/>
+                                          <p:spTgt spid="4"/>
                                         </p:tgtEl>
                                       </p:cBhvr>
                                     </p:animEffect>
@@ -5129,6 +5748,59 @@
                                           </p:stCondLst>
                                         </p:cTn>
                                         <p:tgtEl>
+                                          <p:spTgt spid="5"/>
+                                        </p:tgtEl>
+                                        <p:attrNameLst>
+                                          <p:attrName>style.visibility</p:attrName>
+                                        </p:attrNameLst>
+                                      </p:cBhvr>
+                                      <p:to>
+                                        <p:strVal val="visible"/>
+                                      </p:to>
+                                    </p:set>
+                                    <p:animEffect transition="in" filter="fade">
+                                      <p:cBhvr>
+                                        <p:cTn id="17" dur="500"/>
+                                        <p:tgtEl>
+                                          <p:spTgt spid="5"/>
+                                        </p:tgtEl>
+                                      </p:cBhvr>
+                                    </p:animEffect>
+                                  </p:childTnLst>
+                                </p:cTn>
+                              </p:par>
+                            </p:childTnLst>
+                          </p:cTn>
+                        </p:par>
+                      </p:childTnLst>
+                    </p:cTn>
+                  </p:par>
+                  <p:par>
+                    <p:cTn id="18" fill="hold">
+                      <p:stCondLst>
+                        <p:cond delay="indefinite"/>
+                      </p:stCondLst>
+                      <p:childTnLst>
+                        <p:par>
+                          <p:cTn id="19" fill="hold">
+                            <p:stCondLst>
+                              <p:cond delay="0"/>
+                            </p:stCondLst>
+                            <p:childTnLst>
+                              <p:par>
+                                <p:cTn id="20" presetID="10" presetClass="entr" presetSubtype="0" fill="hold" grpId="0" nodeType="clickEffect">
+                                  <p:stCondLst>
+                                    <p:cond delay="0"/>
+                                  </p:stCondLst>
+                                  <p:childTnLst>
+                                    <p:set>
+                                      <p:cBhvr>
+                                        <p:cTn id="21" dur="1" fill="hold">
+                                          <p:stCondLst>
+                                            <p:cond delay="0"/>
+                                          </p:stCondLst>
+                                        </p:cTn>
+                                        <p:tgtEl>
                                           <p:spTgt spid="6"/>
                                         </p:tgtEl>
                                         <p:attrNameLst>
@@ -5141,7 +5813,7 @@
                                     </p:set>
                                     <p:animEffect transition="in" filter="fade">
                                       <p:cBhvr>
-                                        <p:cTn id="17" dur="500"/>
+                                        <p:cTn id="22" dur="500"/>
                                         <p:tgtEl>
                                           <p:spTgt spid="6"/>
                                         </p:tgtEl>
@@ -6827,7 +7499,7 @@
         </p:blipFill>
         <p:spPr bwMode="auto">
           <a:xfrm>
-            <a:off x="2203196" y="1397663"/>
+            <a:off x="2203196" y="1268760"/>
             <a:ext cx="4745068" cy="3328690"/>
           </a:xfrm>
           <a:prstGeom prst="rect">
@@ -6866,7 +7538,7 @@
         </p:nvSpPr>
         <p:spPr>
           <a:xfrm>
-            <a:off x="323528" y="4839543"/>
+            <a:off x="235691" y="4725144"/>
             <a:ext cx="2329164" cy="461665"/>
           </a:xfrm>
           <a:prstGeom prst="rect">
@@ -6906,7 +7578,7 @@
         </p:nvSpPr>
         <p:spPr>
           <a:xfrm>
-            <a:off x="323528" y="5301208"/>
+            <a:off x="235691" y="5186809"/>
             <a:ext cx="3548279" cy="461665"/>
           </a:xfrm>
           <a:prstGeom prst="rect">
@@ -6940,7 +7612,7 @@
         </p:nvSpPr>
         <p:spPr>
           <a:xfrm>
-            <a:off x="4355976" y="5301208"/>
+            <a:off x="4268139" y="5186809"/>
             <a:ext cx="2915029" cy="461665"/>
           </a:xfrm>
           <a:prstGeom prst="rect">
@@ -6980,7 +7652,7 @@
         </p:nvSpPr>
         <p:spPr>
           <a:xfrm>
-            <a:off x="323528" y="5762873"/>
+            <a:off x="235691" y="5648474"/>
             <a:ext cx="3937553" cy="461665"/>
           </a:xfrm>
           <a:prstGeom prst="rect">
@@ -7014,7 +7686,7 @@
         </p:nvSpPr>
         <p:spPr>
           <a:xfrm>
-            <a:off x="4355976" y="5762873"/>
+            <a:off x="4268139" y="5648474"/>
             <a:ext cx="4768357" cy="461665"/>
           </a:xfrm>
           <a:prstGeom prst="rect">
@@ -7048,7 +7720,7 @@
         </p:nvSpPr>
         <p:spPr>
           <a:xfrm>
-            <a:off x="323527" y="6237312"/>
+            <a:off x="235690" y="6122913"/>
             <a:ext cx="5961632" cy="461665"/>
           </a:xfrm>
           <a:prstGeom prst="rect">
@@ -7105,7 +7777,7 @@
                             </p:stCondLst>
                             <p:childTnLst>
                               <p:par>
-                                <p:cTn id="5" presetID="10" presetClass="entr" presetSubtype="0" fill="hold" grpId="0" nodeType="clickEffect">
+                                <p:cTn id="5" presetID="5" presetClass="entr" presetSubtype="10" fill="hold" nodeType="clickEffect">
                                   <p:stCondLst>
                                     <p:cond delay="0"/>
                                   </p:stCondLst>
@@ -7118,7 +7790,7 @@
                                           </p:stCondLst>
                                         </p:cTn>
                                         <p:tgtEl>
-                                          <p:spTgt spid="3"/>
+                                          <p:spTgt spid="5123"/>
                                         </p:tgtEl>
                                         <p:attrNameLst>
                                           <p:attrName>style.visibility</p:attrName>
@@ -7128,11 +7800,11 @@
                                         <p:strVal val="visible"/>
                                       </p:to>
                                     </p:set>
-                                    <p:animEffect transition="in" filter="fade">
+                                    <p:animEffect transition="in" filter="checkerboard(across)">
                                       <p:cBhvr>
                                         <p:cTn id="7" dur="500"/>
                                         <p:tgtEl>
-                                          <p:spTgt spid="3"/>
+                                          <p:spTgt spid="5123"/>
                                         </p:tgtEl>
                                       </p:cBhvr>
                                     </p:animEffect>
@@ -7171,7 +7843,7 @@
                                           </p:stCondLst>
                                         </p:cTn>
                                         <p:tgtEl>
-                                          <p:spTgt spid="6"/>
+                                          <p:spTgt spid="3"/>
                                         </p:tgtEl>
                                         <p:attrNameLst>
                                           <p:attrName>style.visibility</p:attrName>
@@ -7185,7 +7857,7 @@
                                       <p:cBhvr>
                                         <p:cTn id="12" dur="500"/>
                                         <p:tgtEl>
-                                          <p:spTgt spid="6"/>
+                                          <p:spTgt spid="3"/>
                                         </p:tgtEl>
                                       </p:cBhvr>
                                     </p:animEffect>
@@ -7224,7 +7896,7 @@
                                           </p:stCondLst>
                                         </p:cTn>
                                         <p:tgtEl>
-                                          <p:spTgt spid="7"/>
+                                          <p:spTgt spid="6"/>
                                         </p:tgtEl>
                                         <p:attrNameLst>
                                           <p:attrName>style.visibility</p:attrName>
@@ -7238,7 +7910,7 @@
                                       <p:cBhvr>
                                         <p:cTn id="17" dur="500"/>
                                         <p:tgtEl>
-                                          <p:spTgt spid="7"/>
+                                          <p:spTgt spid="6"/>
                                         </p:tgtEl>
                                       </p:cBhvr>
                                     </p:animEffect>
@@ -7277,7 +7949,7 @@
                                           </p:stCondLst>
                                         </p:cTn>
                                         <p:tgtEl>
-                                          <p:spTgt spid="8"/>
+                                          <p:spTgt spid="7"/>
                                         </p:tgtEl>
                                         <p:attrNameLst>
                                           <p:attrName>style.visibility</p:attrName>
@@ -7291,7 +7963,7 @@
                                       <p:cBhvr>
                                         <p:cTn id="22" dur="500"/>
                                         <p:tgtEl>
-                                          <p:spTgt spid="8"/>
+                                          <p:spTgt spid="7"/>
                                         </p:tgtEl>
                                       </p:cBhvr>
                                     </p:animEffect>
@@ -7330,7 +8002,7 @@
                                           </p:stCondLst>
                                         </p:cTn>
                                         <p:tgtEl>
-                                          <p:spTgt spid="9"/>
+                                          <p:spTgt spid="8"/>
                                         </p:tgtEl>
                                         <p:attrNameLst>
                                           <p:attrName>style.visibility</p:attrName>
@@ -7344,7 +8016,7 @@
                                       <p:cBhvr>
                                         <p:cTn id="27" dur="500"/>
                                         <p:tgtEl>
-                                          <p:spTgt spid="9"/>
+                                          <p:spTgt spid="8"/>
                                         </p:tgtEl>
                                       </p:cBhvr>
                                     </p:animEffect>
@@ -7383,6 +8055,59 @@
                                           </p:stCondLst>
                                         </p:cTn>
                                         <p:tgtEl>
+                                          <p:spTgt spid="9"/>
+                                        </p:tgtEl>
+                                        <p:attrNameLst>
+                                          <p:attrName>style.visibility</p:attrName>
+                                        </p:attrNameLst>
+                                      </p:cBhvr>
+                                      <p:to>
+                                        <p:strVal val="visible"/>
+                                      </p:to>
+                                    </p:set>
+                                    <p:animEffect transition="in" filter="fade">
+                                      <p:cBhvr>
+                                        <p:cTn id="32" dur="500"/>
+                                        <p:tgtEl>
+                                          <p:spTgt spid="9"/>
+                                        </p:tgtEl>
+                                      </p:cBhvr>
+                                    </p:animEffect>
+                                  </p:childTnLst>
+                                </p:cTn>
+                              </p:par>
+                            </p:childTnLst>
+                          </p:cTn>
+                        </p:par>
+                      </p:childTnLst>
+                    </p:cTn>
+                  </p:par>
+                  <p:par>
+                    <p:cTn id="33" fill="hold">
+                      <p:stCondLst>
+                        <p:cond delay="indefinite"/>
+                      </p:stCondLst>
+                      <p:childTnLst>
+                        <p:par>
+                          <p:cTn id="34" fill="hold">
+                            <p:stCondLst>
+                              <p:cond delay="0"/>
+                            </p:stCondLst>
+                            <p:childTnLst>
+                              <p:par>
+                                <p:cTn id="35" presetID="10" presetClass="entr" presetSubtype="0" fill="hold" grpId="0" nodeType="clickEffect">
+                                  <p:stCondLst>
+                                    <p:cond delay="0"/>
+                                  </p:stCondLst>
+                                  <p:childTnLst>
+                                    <p:set>
+                                      <p:cBhvr>
+                                        <p:cTn id="36" dur="1" fill="hold">
+                                          <p:stCondLst>
+                                            <p:cond delay="0"/>
+                                          </p:stCondLst>
+                                        </p:cTn>
+                                        <p:tgtEl>
                                           <p:spTgt spid="10"/>
                                         </p:tgtEl>
                                         <p:attrNameLst>
@@ -7395,7 +8120,7 @@
                                     </p:set>
                                     <p:animEffect transition="in" filter="fade">
                                       <p:cBhvr>
-                                        <p:cTn id="32" dur="500"/>
+                                        <p:cTn id="37" dur="500"/>
                                         <p:tgtEl>
                                           <p:spTgt spid="10"/>
                                         </p:tgtEl>
@@ -8583,13 +9308,52 @@
               </a:ext>
             </a:extLst>
           </a:blip>
-          <a:srcRect t="15263"/>
+          <a:srcRect t="15263" b="35338"/>
           <a:stretch/>
         </p:blipFill>
         <p:spPr bwMode="auto">
           <a:xfrm>
-            <a:off x="383646" y="1484784"/>
-            <a:ext cx="8436826" cy="4940722"/>
+            <a:off x="383646" y="1268760"/>
+            <a:ext cx="8436826" cy="2880320"/>
+          </a:xfrm>
+          <a:prstGeom prst="rect">
+            <a:avLst/>
+          </a:prstGeom>
+          <a:noFill/>
+          <a:extLst>
+            <a:ext uri="{909E8E84-426E-40DD-AFC4-6F175D3DCCD1}">
+              <a14:hiddenFill xmlns:a14="http://schemas.microsoft.com/office/drawing/2010/main">
+                <a:solidFill>
+                  <a:srgbClr val="FFFFFF"/>
+                </a:solidFill>
+              </a14:hiddenFill>
+            </a:ext>
+          </a:extLst>
+        </p:spPr>
+      </p:pic>
+      <p:pic>
+        <p:nvPicPr>
+          <p:cNvPr id="4" name="Picture 2" descr="https://www.researchgate.net/file.PostFileLoader.html?id=52e6c1fad685cce04d8b462e&amp;assetKey=AS%3A272426271739905%401441962892493"/>
+          <p:cNvPicPr>
+            <a:picLocks noChangeAspect="1" noChangeArrowheads="1"/>
+          </p:cNvPicPr>
+          <p:nvPr/>
+        </p:nvPicPr>
+        <p:blipFill rotWithShape="1">
+          <a:blip r:embed="rId2">
+            <a:extLst>
+              <a:ext uri="{28A0092B-C50C-407E-A947-70E740481C1C}">
+                <a14:useLocalDpi xmlns:a14="http://schemas.microsoft.com/office/drawing/2010/main" val="0"/>
+              </a:ext>
+            </a:extLst>
+          </a:blip>
+          <a:srcRect t="65898"/>
+          <a:stretch/>
+        </p:blipFill>
+        <p:spPr bwMode="auto">
+          <a:xfrm>
+            <a:off x="395536" y="4392934"/>
+            <a:ext cx="8436826" cy="1988394"/>
           </a:xfrm>
           <a:prstGeom prst="rect">
             <a:avLst/>
@@ -8619,7 +9383,136 @@
   <p:timing>
     <p:tnLst>
       <p:par>
-        <p:cTn id="1" dur="indefinite" restart="never" nodeType="tmRoot"/>
+        <p:cTn id="1" dur="indefinite" restart="never" nodeType="tmRoot">
+          <p:childTnLst>
+            <p:seq concurrent="1" nextAc="seek">
+              <p:cTn id="2" dur="indefinite" nodeType="mainSeq">
+                <p:childTnLst>
+                  <p:par>
+                    <p:cTn id="3" fill="hold">
+                      <p:stCondLst>
+                        <p:cond delay="indefinite"/>
+                      </p:stCondLst>
+                      <p:childTnLst>
+                        <p:par>
+                          <p:cTn id="4" fill="hold">
+                            <p:stCondLst>
+                              <p:cond delay="0"/>
+                            </p:stCondLst>
+                            <p:childTnLst>
+                              <p:par>
+                                <p:cTn id="5" presetID="5" presetClass="entr" presetSubtype="10" fill="hold" nodeType="clickEffect">
+                                  <p:stCondLst>
+                                    <p:cond delay="0"/>
+                                  </p:stCondLst>
+                                  <p:childTnLst>
+                                    <p:set>
+                                      <p:cBhvr>
+                                        <p:cTn id="6" dur="1" fill="hold">
+                                          <p:stCondLst>
+                                            <p:cond delay="0"/>
+                                          </p:stCondLst>
+                                        </p:cTn>
+                                        <p:tgtEl>
+                                          <p:spTgt spid="9218"/>
+                                        </p:tgtEl>
+                                        <p:attrNameLst>
+                                          <p:attrName>style.visibility</p:attrName>
+                                        </p:attrNameLst>
+                                      </p:cBhvr>
+                                      <p:to>
+                                        <p:strVal val="visible"/>
+                                      </p:to>
+                                    </p:set>
+                                    <p:animEffect transition="in" filter="checkerboard(across)">
+                                      <p:cBhvr>
+                                        <p:cTn id="7" dur="500"/>
+                                        <p:tgtEl>
+                                          <p:spTgt spid="9218"/>
+                                        </p:tgtEl>
+                                      </p:cBhvr>
+                                    </p:animEffect>
+                                  </p:childTnLst>
+                                </p:cTn>
+                              </p:par>
+                            </p:childTnLst>
+                          </p:cTn>
+                        </p:par>
+                      </p:childTnLst>
+                    </p:cTn>
+                  </p:par>
+                  <p:par>
+                    <p:cTn id="8" fill="hold">
+                      <p:stCondLst>
+                        <p:cond delay="indefinite"/>
+                      </p:stCondLst>
+                      <p:childTnLst>
+                        <p:par>
+                          <p:cTn id="9" fill="hold">
+                            <p:stCondLst>
+                              <p:cond delay="0"/>
+                            </p:stCondLst>
+                            <p:childTnLst>
+                              <p:par>
+                                <p:cTn id="10" presetID="5" presetClass="entr" presetSubtype="10" fill="hold" nodeType="clickEffect">
+                                  <p:stCondLst>
+                                    <p:cond delay="0"/>
+                                  </p:stCondLst>
+                                  <p:childTnLst>
+                                    <p:set>
+                                      <p:cBhvr>
+                                        <p:cTn id="11" dur="1" fill="hold">
+                                          <p:stCondLst>
+                                            <p:cond delay="0"/>
+                                          </p:stCondLst>
+                                        </p:cTn>
+                                        <p:tgtEl>
+                                          <p:spTgt spid="4"/>
+                                        </p:tgtEl>
+                                        <p:attrNameLst>
+                                          <p:attrName>style.visibility</p:attrName>
+                                        </p:attrNameLst>
+                                      </p:cBhvr>
+                                      <p:to>
+                                        <p:strVal val="visible"/>
+                                      </p:to>
+                                    </p:set>
+                                    <p:animEffect transition="in" filter="checkerboard(across)">
+                                      <p:cBhvr>
+                                        <p:cTn id="12" dur="500"/>
+                                        <p:tgtEl>
+                                          <p:spTgt spid="4"/>
+                                        </p:tgtEl>
+                                      </p:cBhvr>
+                                    </p:animEffect>
+                                  </p:childTnLst>
+                                </p:cTn>
+                              </p:par>
+                            </p:childTnLst>
+                          </p:cTn>
+                        </p:par>
+                      </p:childTnLst>
+                    </p:cTn>
+                  </p:par>
+                </p:childTnLst>
+              </p:cTn>
+              <p:prevCondLst>
+                <p:cond evt="onPrev" delay="0">
+                  <p:tgtEl>
+                    <p:sldTgt/>
+                  </p:tgtEl>
+                </p:cond>
+              </p:prevCondLst>
+              <p:nextCondLst>
+                <p:cond evt="onNext" delay="0">
+                  <p:tgtEl>
+                    <p:sldTgt/>
+                  </p:tgtEl>
+                </p:cond>
+              </p:nextCondLst>
+            </p:seq>
+          </p:childTnLst>
+        </p:cTn>
       </p:par>
     </p:tnLst>
   </p:timing>
@@ -8698,7 +9591,19 @@
               <a:rPr lang="en-US" altLang="ko-KR" sz="2400" b="1" dirty="0" smtClean="0">
                 <a:latin typeface="+mn-ea"/>
               </a:rPr>
-              <a:t>Fitting the data more that is warranted</a:t>
+              <a:t>Fitting the data more </a:t>
+            </a:r>
+            <a:r>
+              <a:rPr lang="en-US" altLang="ko-KR" sz="2400" b="1" dirty="0" smtClean="0">
+                <a:latin typeface="+mn-ea"/>
+              </a:rPr>
+              <a:t>than </a:t>
+            </a:r>
+            <a:r>
+              <a:rPr lang="en-US" altLang="ko-KR" sz="2400" b="1" dirty="0" smtClean="0">
+                <a:latin typeface="+mn-ea"/>
+              </a:rPr>
+              <a:t>is warranted</a:t>
             </a:r>
             <a:endParaRPr lang="ko-KR" altLang="en-US" sz="2400" b="1" dirty="0" smtClean="0">
               <a:latin typeface="+mn-ea"/>
